--- a/Instructions_Pictures/3_conditions_inst.pptx
+++ b/Instructions_Pictures/3_conditions_inst.pptx
@@ -237,7 +237,7 @@
           <a:p>
             <a:fld id="{C1AC9815-42FF-4838-8F22-11B420BB273E}" type="datetimeFigureOut">
               <a:rPr lang="en-US" smtClean="0"/>
-              <a:t>2/25/2021</a:t>
+              <a:t>3/2/2021</a:t>
             </a:fld>
             <a:endParaRPr lang="en-US"/>
           </a:p>
@@ -841,7 +841,7 @@
           <a:p>
             <a:fld id="{24CCD71B-5347-46B5-8B07-4BDB14644F80}" type="datetimeFigureOut">
               <a:rPr lang="en-US" smtClean="0"/>
-              <a:t>2/25/2021</a:t>
+              <a:t>3/2/2021</a:t>
             </a:fld>
             <a:endParaRPr lang="en-US"/>
           </a:p>
@@ -1039,7 +1039,7 @@
           <a:p>
             <a:fld id="{24CCD71B-5347-46B5-8B07-4BDB14644F80}" type="datetimeFigureOut">
               <a:rPr lang="en-US" smtClean="0"/>
-              <a:t>2/25/2021</a:t>
+              <a:t>3/2/2021</a:t>
             </a:fld>
             <a:endParaRPr lang="en-US"/>
           </a:p>
@@ -1247,7 +1247,7 @@
           <a:p>
             <a:fld id="{24CCD71B-5347-46B5-8B07-4BDB14644F80}" type="datetimeFigureOut">
               <a:rPr lang="en-US" smtClean="0"/>
-              <a:t>2/25/2021</a:t>
+              <a:t>3/2/2021</a:t>
             </a:fld>
             <a:endParaRPr lang="en-US"/>
           </a:p>
@@ -1451,7 +1451,7 @@
           <a:p>
             <a:fld id="{306B59E2-DA6D-487B-96A5-0C8E7410BF99}" type="datetimeFigureOut">
               <a:rPr lang="he-IL" smtClean="0"/>
-              <a:t>י"ג/אדר/תשפ"א</a:t>
+              <a:t>י"ח/אדר/תשפ"א</a:t>
             </a:fld>
             <a:endParaRPr lang="he-IL"/>
           </a:p>
@@ -1621,7 +1621,7 @@
           <a:p>
             <a:fld id="{306B59E2-DA6D-487B-96A5-0C8E7410BF99}" type="datetimeFigureOut">
               <a:rPr lang="he-IL" smtClean="0"/>
-              <a:t>י"ג/אדר/תשפ"א</a:t>
+              <a:t>י"ח/אדר/תשפ"א</a:t>
             </a:fld>
             <a:endParaRPr lang="he-IL"/>
           </a:p>
@@ -1867,7 +1867,7 @@
           <a:p>
             <a:fld id="{306B59E2-DA6D-487B-96A5-0C8E7410BF99}" type="datetimeFigureOut">
               <a:rPr lang="he-IL" smtClean="0"/>
-              <a:t>י"ג/אדר/תשפ"א</a:t>
+              <a:t>י"ח/אדר/תשפ"א</a:t>
             </a:fld>
             <a:endParaRPr lang="he-IL"/>
           </a:p>
@@ -2099,7 +2099,7 @@
           <a:p>
             <a:fld id="{306B59E2-DA6D-487B-96A5-0C8E7410BF99}" type="datetimeFigureOut">
               <a:rPr lang="he-IL" smtClean="0"/>
-              <a:t>י"ג/אדר/תשפ"א</a:t>
+              <a:t>י"ח/אדר/תשפ"א</a:t>
             </a:fld>
             <a:endParaRPr lang="he-IL"/>
           </a:p>
@@ -2466,7 +2466,7 @@
           <a:p>
             <a:fld id="{306B59E2-DA6D-487B-96A5-0C8E7410BF99}" type="datetimeFigureOut">
               <a:rPr lang="he-IL" smtClean="0"/>
-              <a:t>י"ג/אדר/תשפ"א</a:t>
+              <a:t>י"ח/אדר/תשפ"א</a:t>
             </a:fld>
             <a:endParaRPr lang="he-IL"/>
           </a:p>
@@ -2584,7 +2584,7 @@
           <a:p>
             <a:fld id="{306B59E2-DA6D-487B-96A5-0C8E7410BF99}" type="datetimeFigureOut">
               <a:rPr lang="he-IL" smtClean="0"/>
-              <a:t>י"ג/אדר/תשפ"א</a:t>
+              <a:t>י"ח/אדר/תשפ"א</a:t>
             </a:fld>
             <a:endParaRPr lang="he-IL"/>
           </a:p>
@@ -2679,7 +2679,7 @@
           <a:p>
             <a:fld id="{306B59E2-DA6D-487B-96A5-0C8E7410BF99}" type="datetimeFigureOut">
               <a:rPr lang="he-IL" smtClean="0"/>
-              <a:t>י"ג/אדר/תשפ"א</a:t>
+              <a:t>י"ח/אדר/תשפ"א</a:t>
             </a:fld>
             <a:endParaRPr lang="he-IL"/>
           </a:p>
@@ -2956,7 +2956,7 @@
           <a:p>
             <a:fld id="{306B59E2-DA6D-487B-96A5-0C8E7410BF99}" type="datetimeFigureOut">
               <a:rPr lang="he-IL" smtClean="0"/>
-              <a:t>י"ג/אדר/תשפ"א</a:t>
+              <a:t>י"ח/אדר/תשפ"א</a:t>
             </a:fld>
             <a:endParaRPr lang="he-IL"/>
           </a:p>
@@ -3142,7 +3142,7 @@
           <a:p>
             <a:fld id="{24CCD71B-5347-46B5-8B07-4BDB14644F80}" type="datetimeFigureOut">
               <a:rPr lang="en-US" smtClean="0"/>
-              <a:t>2/25/2021</a:t>
+              <a:t>3/2/2021</a:t>
             </a:fld>
             <a:endParaRPr lang="en-US"/>
           </a:p>
@@ -3407,7 +3407,7 @@
           <a:p>
             <a:fld id="{306B59E2-DA6D-487B-96A5-0C8E7410BF99}" type="datetimeFigureOut">
               <a:rPr lang="he-IL" smtClean="0"/>
-              <a:t>י"ג/אדר/תשפ"א</a:t>
+              <a:t>י"ח/אדר/תשפ"א</a:t>
             </a:fld>
             <a:endParaRPr lang="he-IL"/>
           </a:p>
@@ -3577,7 +3577,7 @@
           <a:p>
             <a:fld id="{306B59E2-DA6D-487B-96A5-0C8E7410BF99}" type="datetimeFigureOut">
               <a:rPr lang="he-IL" smtClean="0"/>
-              <a:t>י"ג/אדר/תשפ"א</a:t>
+              <a:t>י"ח/אדר/תשפ"א</a:t>
             </a:fld>
             <a:endParaRPr lang="he-IL"/>
           </a:p>
@@ -3757,7 +3757,7 @@
           <a:p>
             <a:fld id="{306B59E2-DA6D-487B-96A5-0C8E7410BF99}" type="datetimeFigureOut">
               <a:rPr lang="he-IL" smtClean="0"/>
-              <a:t>י"ג/אדר/תשפ"א</a:t>
+              <a:t>י"ח/אדר/תשפ"א</a:t>
             </a:fld>
             <a:endParaRPr lang="he-IL"/>
           </a:p>
@@ -3949,7 +3949,7 @@
           <a:p>
             <a:fld id="{4476BBAF-3BF1-4078-A5DF-44D473DCBE61}" type="datetimeFigureOut">
               <a:rPr lang="he-IL" smtClean="0"/>
-              <a:t>י"ג/אדר/תשפ"א</a:t>
+              <a:t>י"ח/אדר/תשפ"א</a:t>
             </a:fld>
             <a:endParaRPr lang="he-IL"/>
           </a:p>
@@ -4119,7 +4119,7 @@
           <a:p>
             <a:fld id="{4476BBAF-3BF1-4078-A5DF-44D473DCBE61}" type="datetimeFigureOut">
               <a:rPr lang="he-IL" smtClean="0"/>
-              <a:t>י"ג/אדר/תשפ"א</a:t>
+              <a:t>י"ח/אדר/תשפ"א</a:t>
             </a:fld>
             <a:endParaRPr lang="he-IL"/>
           </a:p>
@@ -4365,7 +4365,7 @@
           <a:p>
             <a:fld id="{4476BBAF-3BF1-4078-A5DF-44D473DCBE61}" type="datetimeFigureOut">
               <a:rPr lang="he-IL" smtClean="0"/>
-              <a:t>י"ג/אדר/תשפ"א</a:t>
+              <a:t>י"ח/אדר/תשפ"א</a:t>
             </a:fld>
             <a:endParaRPr lang="he-IL"/>
           </a:p>
@@ -4597,7 +4597,7 @@
           <a:p>
             <a:fld id="{4476BBAF-3BF1-4078-A5DF-44D473DCBE61}" type="datetimeFigureOut">
               <a:rPr lang="he-IL" smtClean="0"/>
-              <a:t>י"ג/אדר/תשפ"א</a:t>
+              <a:t>י"ח/אדר/תשפ"א</a:t>
             </a:fld>
             <a:endParaRPr lang="he-IL"/>
           </a:p>
@@ -4964,7 +4964,7 @@
           <a:p>
             <a:fld id="{4476BBAF-3BF1-4078-A5DF-44D473DCBE61}" type="datetimeFigureOut">
               <a:rPr lang="he-IL" smtClean="0"/>
-              <a:t>י"ג/אדר/תשפ"א</a:t>
+              <a:t>י"ח/אדר/תשפ"א</a:t>
             </a:fld>
             <a:endParaRPr lang="he-IL"/>
           </a:p>
@@ -5082,7 +5082,7 @@
           <a:p>
             <a:fld id="{4476BBAF-3BF1-4078-A5DF-44D473DCBE61}" type="datetimeFigureOut">
               <a:rPr lang="he-IL" smtClean="0"/>
-              <a:t>י"ג/אדר/תשפ"א</a:t>
+              <a:t>י"ח/אדר/תשפ"א</a:t>
             </a:fld>
             <a:endParaRPr lang="he-IL"/>
           </a:p>
@@ -5177,7 +5177,7 @@
           <a:p>
             <a:fld id="{4476BBAF-3BF1-4078-A5DF-44D473DCBE61}" type="datetimeFigureOut">
               <a:rPr lang="he-IL" smtClean="0"/>
-              <a:t>י"ג/אדר/תשפ"א</a:t>
+              <a:t>י"ח/אדר/תשפ"א</a:t>
             </a:fld>
             <a:endParaRPr lang="he-IL"/>
           </a:p>
@@ -5440,7 +5440,7 @@
           <a:p>
             <a:fld id="{24CCD71B-5347-46B5-8B07-4BDB14644F80}" type="datetimeFigureOut">
               <a:rPr lang="en-US" smtClean="0"/>
-              <a:t>2/25/2021</a:t>
+              <a:t>3/2/2021</a:t>
             </a:fld>
             <a:endParaRPr lang="en-US"/>
           </a:p>
@@ -5729,7 +5729,7 @@
           <a:p>
             <a:fld id="{4476BBAF-3BF1-4078-A5DF-44D473DCBE61}" type="datetimeFigureOut">
               <a:rPr lang="he-IL" smtClean="0"/>
-              <a:t>י"ג/אדר/תשפ"א</a:t>
+              <a:t>י"ח/אדר/תשפ"א</a:t>
             </a:fld>
             <a:endParaRPr lang="he-IL"/>
           </a:p>
@@ -5982,7 +5982,7 @@
           <a:p>
             <a:fld id="{4476BBAF-3BF1-4078-A5DF-44D473DCBE61}" type="datetimeFigureOut">
               <a:rPr lang="he-IL" smtClean="0"/>
-              <a:t>י"ג/אדר/תשפ"א</a:t>
+              <a:t>י"ח/אדר/תשפ"א</a:t>
             </a:fld>
             <a:endParaRPr lang="he-IL"/>
           </a:p>
@@ -6152,7 +6152,7 @@
           <a:p>
             <a:fld id="{4476BBAF-3BF1-4078-A5DF-44D473DCBE61}" type="datetimeFigureOut">
               <a:rPr lang="he-IL" smtClean="0"/>
-              <a:t>י"ג/אדר/תשפ"א</a:t>
+              <a:t>י"ח/אדר/תשפ"א</a:t>
             </a:fld>
             <a:endParaRPr lang="he-IL"/>
           </a:p>
@@ -6332,7 +6332,7 @@
           <a:p>
             <a:fld id="{4476BBAF-3BF1-4078-A5DF-44D473DCBE61}" type="datetimeFigureOut">
               <a:rPr lang="he-IL" smtClean="0"/>
-              <a:t>י"ג/אדר/תשפ"א</a:t>
+              <a:t>י"ח/אדר/תשפ"א</a:t>
             </a:fld>
             <a:endParaRPr lang="he-IL"/>
           </a:p>
@@ -6585,7 +6585,7 @@
           <a:p>
             <a:fld id="{24CCD71B-5347-46B5-8B07-4BDB14644F80}" type="datetimeFigureOut">
               <a:rPr lang="en-US" smtClean="0"/>
-              <a:t>2/25/2021</a:t>
+              <a:t>3/2/2021</a:t>
             </a:fld>
             <a:endParaRPr lang="en-US"/>
           </a:p>
@@ -6997,7 +6997,7 @@
           <a:p>
             <a:fld id="{24CCD71B-5347-46B5-8B07-4BDB14644F80}" type="datetimeFigureOut">
               <a:rPr lang="en-US" smtClean="0"/>
-              <a:t>2/25/2021</a:t>
+              <a:t>3/2/2021</a:t>
             </a:fld>
             <a:endParaRPr lang="en-US"/>
           </a:p>
@@ -7138,7 +7138,7 @@
           <a:p>
             <a:fld id="{24CCD71B-5347-46B5-8B07-4BDB14644F80}" type="datetimeFigureOut">
               <a:rPr lang="en-US" smtClean="0"/>
-              <a:t>2/25/2021</a:t>
+              <a:t>3/2/2021</a:t>
             </a:fld>
             <a:endParaRPr lang="en-US"/>
           </a:p>
@@ -7251,7 +7251,7 @@
           <a:p>
             <a:fld id="{24CCD71B-5347-46B5-8B07-4BDB14644F80}" type="datetimeFigureOut">
               <a:rPr lang="en-US" smtClean="0"/>
-              <a:t>2/25/2021</a:t>
+              <a:t>3/2/2021</a:t>
             </a:fld>
             <a:endParaRPr lang="en-US"/>
           </a:p>
@@ -7562,7 +7562,7 @@
           <a:p>
             <a:fld id="{24CCD71B-5347-46B5-8B07-4BDB14644F80}" type="datetimeFigureOut">
               <a:rPr lang="en-US" smtClean="0"/>
-              <a:t>2/25/2021</a:t>
+              <a:t>3/2/2021</a:t>
             </a:fld>
             <a:endParaRPr lang="en-US"/>
           </a:p>
@@ -7850,7 +7850,7 @@
           <a:p>
             <a:fld id="{24CCD71B-5347-46B5-8B07-4BDB14644F80}" type="datetimeFigureOut">
               <a:rPr lang="en-US" smtClean="0"/>
-              <a:t>2/25/2021</a:t>
+              <a:t>3/2/2021</a:t>
             </a:fld>
             <a:endParaRPr lang="en-US"/>
           </a:p>
@@ -8091,7 +8091,7 @@
           <a:p>
             <a:fld id="{24CCD71B-5347-46B5-8B07-4BDB14644F80}" type="datetimeFigureOut">
               <a:rPr lang="en-US" smtClean="0"/>
-              <a:t>2/25/2021</a:t>
+              <a:t>3/2/2021</a:t>
             </a:fld>
             <a:endParaRPr lang="en-US"/>
           </a:p>
@@ -8646,7 +8646,7 @@
           <a:p>
             <a:fld id="{306B59E2-DA6D-487B-96A5-0C8E7410BF99}" type="datetimeFigureOut">
               <a:rPr lang="he-IL" smtClean="0"/>
-              <a:t>י"ג/אדר/תשפ"א</a:t>
+              <a:t>י"ח/אדר/תשפ"א</a:t>
             </a:fld>
             <a:endParaRPr lang="he-IL"/>
           </a:p>
@@ -9186,7 +9186,7 @@
           <a:p>
             <a:fld id="{4476BBAF-3BF1-4078-A5DF-44D473DCBE61}" type="datetimeFigureOut">
               <a:rPr lang="he-IL" smtClean="0"/>
-              <a:t>י"ג/אדר/תשפ"א</a:t>
+              <a:t>י"ח/אדר/תשפ"א</a:t>
             </a:fld>
             <a:endParaRPr lang="he-IL"/>
           </a:p>
@@ -10432,7 +10432,7 @@
         </p:nvSpPr>
         <p:spPr>
           <a:xfrm>
-            <a:off x="2065971" y="577526"/>
+            <a:off x="2060027" y="577526"/>
             <a:ext cx="8071946" cy="4969278"/>
           </a:xfrm>
           <a:prstGeom prst="rect">
@@ -10593,6 +10593,107 @@
               </a:rPr>
               <a:t>האם מספר הריבועים גדול או קטן מ-5 </a:t>
             </a:r>
+          </a:p>
+          <a:p>
+            <a:pPr marL="0" marR="0" lvl="0" indent="0" algn="ctr" defTabSz="914400" rtl="1" eaLnBrk="1" fontAlgn="auto" latinLnBrk="0" hangingPunct="1">
+              <a:lnSpc>
+                <a:spcPct val="100000"/>
+              </a:lnSpc>
+              <a:spcBef>
+                <a:spcPts val="0"/>
+              </a:spcBef>
+              <a:spcAft>
+                <a:spcPts val="0"/>
+              </a:spcAft>
+              <a:buClrTx/>
+              <a:buSzTx/>
+              <a:buFontTx/>
+              <a:buNone/>
+              <a:tabLst/>
+              <a:defRPr/>
+            </a:pPr>
+            <a:r>
+              <a:rPr lang="he-IL" sz="2330" dirty="0">
+                <a:solidFill>
+                  <a:srgbClr val="FF0000"/>
+                </a:solidFill>
+                <a:highlight>
+                  <a:srgbClr val="FFFF00"/>
+                </a:highlight>
+                <a:latin typeface="David" panose="020E0502060401010101" pitchFamily="34" charset="-79"/>
+                <a:cs typeface="David" panose="020E0502060401010101" pitchFamily="34" charset="-79"/>
+              </a:rPr>
+              <a:t>תמונה </a:t>
+            </a:r>
+          </a:p>
+          <a:p>
+            <a:pPr marL="0" marR="0" lvl="0" indent="0" algn="ctr" defTabSz="914400" rtl="1" eaLnBrk="1" fontAlgn="auto" latinLnBrk="0" hangingPunct="1">
+              <a:lnSpc>
+                <a:spcPct val="100000"/>
+              </a:lnSpc>
+              <a:spcBef>
+                <a:spcPts val="0"/>
+              </a:spcBef>
+              <a:spcAft>
+                <a:spcPts val="0"/>
+              </a:spcAft>
+              <a:buClrTx/>
+              <a:buSzTx/>
+              <a:buFontTx/>
+              <a:buNone/>
+              <a:tabLst/>
+              <a:defRPr/>
+            </a:pPr>
+            <a:r>
+              <a:rPr kumimoji="0" lang="he-IL" sz="2330" b="0" i="0" u="none" strike="noStrike" kern="1200" cap="none" spc="0" normalizeH="0" baseline="0" noProof="0" dirty="0">
+                <a:ln>
+                  <a:noFill/>
+                </a:ln>
+                <a:solidFill>
+                  <a:srgbClr val="FF0000"/>
+                </a:solidFill>
+                <a:effectLst/>
+                <a:highlight>
+                  <a:srgbClr val="FFFF00"/>
+                </a:highlight>
+                <a:uLnTx/>
+                <a:uFillTx/>
+                <a:latin typeface="David" panose="020E0502060401010101" pitchFamily="34" charset="-79"/>
+                <a:ea typeface="+mn-ea"/>
+                <a:cs typeface="David" panose="020E0502060401010101" pitchFamily="34" charset="-79"/>
+              </a:rPr>
+              <a:t>(לפצל ל-</a:t>
+            </a:r>
+            <a:r>
+              <a:rPr lang="he-IL" sz="2330" dirty="0">
+                <a:solidFill>
+                  <a:srgbClr val="FF0000"/>
+                </a:solidFill>
+                <a:highlight>
+                  <a:srgbClr val="FFFF00"/>
+                </a:highlight>
+                <a:latin typeface="David" panose="020E0502060401010101" pitchFamily="34" charset="-79"/>
+                <a:cs typeface="David" panose="020E0502060401010101" pitchFamily="34" charset="-79"/>
+              </a:rPr>
+              <a:t>2 שקפים) </a:t>
+            </a:r>
+            <a:endParaRPr kumimoji="0" lang="en-US" sz="2330" b="0" i="0" u="none" strike="noStrike" kern="1200" cap="none" spc="0" normalizeH="0" baseline="0" noProof="0" dirty="0">
+              <a:ln>
+                <a:noFill/>
+              </a:ln>
+              <a:solidFill>
+                <a:srgbClr val="FF0000"/>
+              </a:solidFill>
+              <a:effectLst/>
+              <a:highlight>
+                <a:srgbClr val="FFFF00"/>
+              </a:highlight>
+              <a:uLnTx/>
+              <a:uFillTx/>
+              <a:latin typeface="David" panose="020E0502060401010101" pitchFamily="34" charset="-79"/>
+              <a:ea typeface="+mn-ea"/>
+              <a:cs typeface="David" panose="020E0502060401010101" pitchFamily="34" charset="-79"/>
+            </a:endParaRPr>
           </a:p>
           <a:p>
             <a:pPr marL="0" marR="0" lvl="0" indent="0" algn="ctr" defTabSz="914400" rtl="1" eaLnBrk="1" fontAlgn="auto" latinLnBrk="0" hangingPunct="1">
@@ -10867,8 +10968,8 @@
         </p:nvGrpSpPr>
         <p:grpSpPr>
           <a:xfrm>
-            <a:off x="5215467" y="3868359"/>
-            <a:ext cx="1676400" cy="1417669"/>
+            <a:off x="5215467" y="4414058"/>
+            <a:ext cx="1044017" cy="871970"/>
             <a:chOff x="4608974" y="1615133"/>
             <a:chExt cx="1676400" cy="1417669"/>
           </a:xfrm>
@@ -11065,6 +11166,92 @@
           </p:txBody>
         </p:sp>
       </p:grpSp>
+      <p:cxnSp>
+        <p:nvCxnSpPr>
+          <p:cNvPr id="11" name="Straight Arrow Connector 10">
+            <a:extLst>
+              <a:ext uri="{FF2B5EF4-FFF2-40B4-BE49-F238E27FC236}">
+                <a16:creationId xmlns:a16="http://schemas.microsoft.com/office/drawing/2014/main" id="{ACA951ED-6735-487A-8ED4-398C62D1F58E}"/>
+              </a:ext>
+            </a:extLst>
+          </p:cNvPr>
+          <p:cNvCxnSpPr/>
+          <p:nvPr/>
+        </p:nvCxnSpPr>
+        <p:spPr>
+          <a:xfrm>
+            <a:off x="6334298" y="4596938"/>
+            <a:ext cx="897775" cy="0"/>
+          </a:xfrm>
+          <a:prstGeom prst="straightConnector1">
+            <a:avLst/>
+          </a:prstGeom>
+          <a:ln>
+            <a:solidFill>
+              <a:schemeClr val="tx1"/>
+            </a:solidFill>
+            <a:tailEnd type="triangle"/>
+          </a:ln>
+        </p:spPr>
+        <p:style>
+          <a:lnRef idx="1">
+            <a:schemeClr val="accent1"/>
+          </a:lnRef>
+          <a:fillRef idx="0">
+            <a:schemeClr val="accent1"/>
+          </a:fillRef>
+          <a:effectRef idx="0">
+            <a:schemeClr val="accent1"/>
+          </a:effectRef>
+          <a:fontRef idx="minor">
+            <a:schemeClr val="tx1"/>
+          </a:fontRef>
+        </p:style>
+      </p:cxnSp>
+      <p:cxnSp>
+        <p:nvCxnSpPr>
+          <p:cNvPr id="12" name="Straight Arrow Connector 11">
+            <a:extLst>
+              <a:ext uri="{FF2B5EF4-FFF2-40B4-BE49-F238E27FC236}">
+                <a16:creationId xmlns:a16="http://schemas.microsoft.com/office/drawing/2014/main" id="{11B606C8-A96C-4FFB-B321-3BCDE74E9606}"/>
+              </a:ext>
+            </a:extLst>
+          </p:cNvPr>
+          <p:cNvCxnSpPr>
+            <a:cxnSpLocks/>
+          </p:cNvCxnSpPr>
+          <p:nvPr/>
+        </p:nvCxnSpPr>
+        <p:spPr>
+          <a:xfrm flipH="1">
+            <a:off x="4228006" y="5040283"/>
+            <a:ext cx="858982" cy="0"/>
+          </a:xfrm>
+          <a:prstGeom prst="straightConnector1">
+            <a:avLst/>
+          </a:prstGeom>
+          <a:ln>
+            <a:solidFill>
+              <a:schemeClr val="tx1"/>
+            </a:solidFill>
+            <a:tailEnd type="triangle"/>
+          </a:ln>
+        </p:spPr>
+        <p:style>
+          <a:lnRef idx="1">
+            <a:schemeClr val="accent1"/>
+          </a:lnRef>
+          <a:fillRef idx="0">
+            <a:schemeClr val="accent1"/>
+          </a:fillRef>
+          <a:effectRef idx="0">
+            <a:schemeClr val="accent1"/>
+          </a:effectRef>
+          <a:fontRef idx="minor">
+            <a:schemeClr val="tx1"/>
+          </a:fontRef>
+        </p:style>
+      </p:cxnSp>
     </p:spTree>
     <p:extLst>
       <p:ext uri="{BB962C8B-B14F-4D97-AF65-F5344CB8AC3E}">
@@ -15001,10 +15188,10 @@
         </p:nvGrpSpPr>
         <p:grpSpPr>
           <a:xfrm>
-            <a:off x="4075005" y="3212926"/>
-            <a:ext cx="645818" cy="3166594"/>
-            <a:chOff x="5456126" y="1779803"/>
-            <a:chExt cx="645818" cy="3166594"/>
+            <a:off x="4058337" y="3089102"/>
+            <a:ext cx="645818" cy="3290418"/>
+            <a:chOff x="5456126" y="1655979"/>
+            <a:chExt cx="645818" cy="3290418"/>
           </a:xfrm>
         </p:grpSpPr>
         <p:pic>
@@ -15057,19 +15244,16 @@
           </p:nvSpPr>
           <p:spPr>
             <a:xfrm>
-              <a:off x="5456126" y="1779803"/>
-              <a:ext cx="639874" cy="405457"/>
+              <a:off x="5467883" y="1655979"/>
+              <a:ext cx="622304" cy="405457"/>
             </a:xfrm>
             <a:prstGeom prst="rect">
               <a:avLst/>
             </a:prstGeom>
             <a:solidFill>
-              <a:schemeClr val="accent6">
-                <a:lumMod val="60000"/>
-                <a:lumOff val="40000"/>
-              </a:schemeClr>
+              <a:srgbClr val="92D050"/>
             </a:solidFill>
-            <a:ln>
+            <a:ln w="19050">
               <a:solidFill>
                 <a:schemeClr val="tx1"/>
               </a:solidFill>
@@ -15655,10 +15839,10 @@
       </p:sp>
       <p:pic>
         <p:nvPicPr>
-          <p:cNvPr id="11" name="Picture 10">
+          <p:cNvPr id="8" name="Picture 7">
             <a:extLst>
               <a:ext uri="{FF2B5EF4-FFF2-40B4-BE49-F238E27FC236}">
-                <a16:creationId xmlns:a16="http://schemas.microsoft.com/office/drawing/2014/main" id="{EF338D27-8E73-4E39-A070-1EB7C4C5B83B}"/>
+                <a16:creationId xmlns:a16="http://schemas.microsoft.com/office/drawing/2014/main" id="{53579B01-8A66-4ABE-9381-E4F9074FED44}"/>
               </a:ext>
             </a:extLst>
           </p:cNvPr>
@@ -15691,10 +15875,10 @@
       </p:pic>
       <p:grpSp>
         <p:nvGrpSpPr>
-          <p:cNvPr id="12" name="Group 11">
+          <p:cNvPr id="9" name="Group 8">
             <a:extLst>
               <a:ext uri="{FF2B5EF4-FFF2-40B4-BE49-F238E27FC236}">
-                <a16:creationId xmlns:a16="http://schemas.microsoft.com/office/drawing/2014/main" id="{8CFF371B-033C-47EF-A3E7-C179B8B7E230}"/>
+                <a16:creationId xmlns:a16="http://schemas.microsoft.com/office/drawing/2014/main" id="{DFEB70EB-14B1-473F-A115-1F9C8F2E67DA}"/>
               </a:ext>
             </a:extLst>
           </p:cNvPr>
@@ -15703,18 +15887,18 @@
         </p:nvGrpSpPr>
         <p:grpSpPr>
           <a:xfrm>
-            <a:off x="4075005" y="3212926"/>
-            <a:ext cx="645818" cy="3166594"/>
-            <a:chOff x="5456126" y="1779803"/>
-            <a:chExt cx="645818" cy="3166594"/>
+            <a:off x="4058337" y="3089102"/>
+            <a:ext cx="645818" cy="3290418"/>
+            <a:chOff x="5456126" y="1655979"/>
+            <a:chExt cx="645818" cy="3290418"/>
           </a:xfrm>
         </p:grpSpPr>
         <p:pic>
           <p:nvPicPr>
-            <p:cNvPr id="13" name="Picture 12">
+            <p:cNvPr id="10" name="Picture 9">
               <a:extLst>
                 <a:ext uri="{FF2B5EF4-FFF2-40B4-BE49-F238E27FC236}">
-                  <a16:creationId xmlns:a16="http://schemas.microsoft.com/office/drawing/2014/main" id="{61A8B834-D9C0-4E04-8370-2446EF26A523}"/>
+                  <a16:creationId xmlns:a16="http://schemas.microsoft.com/office/drawing/2014/main" id="{DDC4BE39-ED5A-4AB1-A687-BC558BC50F24}"/>
                 </a:ext>
               </a:extLst>
             </p:cNvPr>
@@ -15747,10 +15931,10 @@
         </p:pic>
         <p:sp>
           <p:nvSpPr>
-            <p:cNvPr id="14" name="Rectangle 13">
+            <p:cNvPr id="15" name="Rectangle 14">
               <a:extLst>
                 <a:ext uri="{FF2B5EF4-FFF2-40B4-BE49-F238E27FC236}">
-                  <a16:creationId xmlns:a16="http://schemas.microsoft.com/office/drawing/2014/main" id="{FF7B4884-692E-4524-9357-23E38F67C4CB}"/>
+                  <a16:creationId xmlns:a16="http://schemas.microsoft.com/office/drawing/2014/main" id="{2487B4AD-CFCA-4E03-8EDC-CBED91E384D6}"/>
                 </a:ext>
               </a:extLst>
             </p:cNvPr>
@@ -15759,19 +15943,16 @@
           </p:nvSpPr>
           <p:spPr>
             <a:xfrm>
-              <a:off x="5456126" y="1779803"/>
-              <a:ext cx="639874" cy="405457"/>
+              <a:off x="5467883" y="1655979"/>
+              <a:ext cx="622304" cy="405457"/>
             </a:xfrm>
             <a:prstGeom prst="rect">
               <a:avLst/>
             </a:prstGeom>
             <a:solidFill>
-              <a:schemeClr val="accent6">
-                <a:lumMod val="60000"/>
-                <a:lumOff val="40000"/>
-              </a:schemeClr>
+              <a:srgbClr val="92D050"/>
             </a:solidFill>
-            <a:ln>
+            <a:ln w="19050">
               <a:solidFill>
                 <a:schemeClr val="tx1"/>
               </a:solidFill>
